--- a/Report/Netflix_presentation.pptx
+++ b/Report/Netflix_presentation.pptx
@@ -16,6 +16,7 @@
     <p:sldId id="265" r:id="rId10"/>
     <p:sldId id="266" r:id="rId11"/>
     <p:sldId id="270" r:id="rId12"/>
+    <p:sldId id="271" r:id="rId13"/>
   </p:sldIdLst>
   <p:sldSz cx="12192000" cy="6858000"/>
   <p:notesSz cx="6858000" cy="9144000"/>
@@ -3338,6 +3339,58 @@
       </p:grpSpPr>
       <p:sp>
         <p:nvSpPr>
+          <p:cNvPr id="2" name="Rectangle 1">
+            <a:extLst>
+              <a:ext uri="{FF2B5EF4-FFF2-40B4-BE49-F238E27FC236}">
+                <a16:creationId xmlns:a16="http://schemas.microsoft.com/office/drawing/2014/main" id="{340ACB05-C6C5-448E-9609-26FAAE928464}"/>
+              </a:ext>
+            </a:extLst>
+          </p:cNvPr>
+          <p:cNvSpPr/>
+          <p:nvPr/>
+        </p:nvSpPr>
+        <p:spPr>
+          <a:xfrm>
+            <a:off x="66782" y="51371"/>
+            <a:ext cx="11989942" cy="6724436"/>
+          </a:xfrm>
+          <a:prstGeom prst="rect">
+            <a:avLst/>
+          </a:prstGeom>
+          <a:noFill/>
+          <a:ln w="127000">
+            <a:solidFill>
+              <a:srgbClr val="00B0F0"/>
+            </a:solidFill>
+          </a:ln>
+        </p:spPr>
+        <p:style>
+          <a:lnRef idx="2">
+            <a:schemeClr val="accent1">
+              <a:shade val="50000"/>
+            </a:schemeClr>
+          </a:lnRef>
+          <a:fillRef idx="1">
+            <a:schemeClr val="accent1"/>
+          </a:fillRef>
+          <a:effectRef idx="0">
+            <a:schemeClr val="accent1"/>
+          </a:effectRef>
+          <a:fontRef idx="minor">
+            <a:schemeClr val="lt1"/>
+          </a:fontRef>
+        </p:style>
+        <p:txBody>
+          <a:bodyPr rtlCol="0" anchor="ctr"/>
+          <a:lstStyle/>
+          <a:p>
+            <a:pPr algn="ctr"/>
+            <a:endParaRPr lang="en-US"/>
+          </a:p>
+        </p:txBody>
+      </p:sp>
+      <p:sp>
+        <p:nvSpPr>
           <p:cNvPr id="4" name="TextBox 3">
             <a:extLst>
               <a:ext uri="{FF2B5EF4-FFF2-40B4-BE49-F238E27FC236}">
@@ -3786,6 +3839,36 @@
           </a:prstGeom>
         </p:spPr>
       </p:pic>
+      <p:pic>
+        <p:nvPicPr>
+          <p:cNvPr id="2" name="Picture 1">
+            <a:extLst>
+              <a:ext uri="{FF2B5EF4-FFF2-40B4-BE49-F238E27FC236}">
+                <a16:creationId xmlns:a16="http://schemas.microsoft.com/office/drawing/2014/main" id="{048CC2B1-4300-4315-9DAF-84DAD0157ACD}"/>
+              </a:ext>
+            </a:extLst>
+          </p:cNvPr>
+          <p:cNvPicPr>
+            <a:picLocks noChangeAspect="1"/>
+          </p:cNvPicPr>
+          <p:nvPr/>
+        </p:nvPicPr>
+        <p:blipFill>
+          <a:blip r:embed="rId3"/>
+          <a:stretch>
+            <a:fillRect/>
+          </a:stretch>
+        </p:blipFill>
+        <p:spPr>
+          <a:xfrm>
+            <a:off x="36576" y="0"/>
+            <a:ext cx="12118848" cy="6858000"/>
+          </a:xfrm>
+          <a:prstGeom prst="rect">
+            <a:avLst/>
+          </a:prstGeom>
+        </p:spPr>
+      </p:pic>
     </p:spTree>
     <p:extLst>
       <p:ext uri="{BB962C8B-B14F-4D97-AF65-F5344CB8AC3E}">
@@ -4072,10 +4155,221 @@
           </a:p>
         </p:txBody>
       </p:sp>
+      <p:pic>
+        <p:nvPicPr>
+          <p:cNvPr id="2" name="Picture 1">
+            <a:extLst>
+              <a:ext uri="{FF2B5EF4-FFF2-40B4-BE49-F238E27FC236}">
+                <a16:creationId xmlns:a16="http://schemas.microsoft.com/office/drawing/2014/main" id="{715F6B34-D004-442A-A9ED-6DD7E43E6B07}"/>
+              </a:ext>
+            </a:extLst>
+          </p:cNvPr>
+          <p:cNvPicPr>
+            <a:picLocks noChangeAspect="1"/>
+          </p:cNvPicPr>
+          <p:nvPr/>
+        </p:nvPicPr>
+        <p:blipFill>
+          <a:blip r:embed="rId2"/>
+          <a:stretch>
+            <a:fillRect/>
+          </a:stretch>
+        </p:blipFill>
+        <p:spPr>
+          <a:xfrm>
+            <a:off x="36576" y="0"/>
+            <a:ext cx="12118848" cy="6858000"/>
+          </a:xfrm>
+          <a:prstGeom prst="rect">
+            <a:avLst/>
+          </a:prstGeom>
+        </p:spPr>
+      </p:pic>
     </p:spTree>
     <p:extLst>
       <p:ext uri="{BB962C8B-B14F-4D97-AF65-F5344CB8AC3E}">
         <p14:creationId xmlns:p14="http://schemas.microsoft.com/office/powerpoint/2010/main" val="1797891634"/>
+      </p:ext>
+    </p:extLst>
+  </p:cSld>
+  <p:clrMapOvr>
+    <a:masterClrMapping/>
+  </p:clrMapOvr>
+</p:sld>
+</file>
+
+<file path=ppt/slides/slide12.xml><?xml version="1.0" encoding="utf-8"?>
+<p:sld xmlns:a="http://schemas.openxmlformats.org/drawingml/2006/main" xmlns:r="http://schemas.openxmlformats.org/officeDocument/2006/relationships" xmlns:p="http://schemas.openxmlformats.org/presentationml/2006/main">
+  <p:cSld>
+    <p:bg>
+      <p:bgPr>
+        <a:pattFill prst="pct80">
+          <a:fgClr>
+            <a:srgbClr val="00B0F0"/>
+          </a:fgClr>
+          <a:bgClr>
+            <a:srgbClr val="00B050"/>
+          </a:bgClr>
+        </a:pattFill>
+        <a:effectLst/>
+      </p:bgPr>
+    </p:bg>
+    <p:spTree>
+      <p:nvGrpSpPr>
+        <p:cNvPr id="1" name=""/>
+        <p:cNvGrpSpPr/>
+        <p:nvPr/>
+      </p:nvGrpSpPr>
+      <p:grpSpPr>
+        <a:xfrm>
+          <a:off x="0" y="0"/>
+          <a:ext cx="0" cy="0"/>
+          <a:chOff x="0" y="0"/>
+          <a:chExt cx="0" cy="0"/>
+        </a:xfrm>
+      </p:grpSpPr>
+      <p:sp>
+        <p:nvSpPr>
+          <p:cNvPr id="4" name="Rectangle 3">
+            <a:extLst>
+              <a:ext uri="{FF2B5EF4-FFF2-40B4-BE49-F238E27FC236}">
+                <a16:creationId xmlns:a16="http://schemas.microsoft.com/office/drawing/2014/main" id="{0465D256-DCBD-4C30-A616-1CE285E6AC23}"/>
+              </a:ext>
+            </a:extLst>
+          </p:cNvPr>
+          <p:cNvSpPr/>
+          <p:nvPr/>
+        </p:nvSpPr>
+        <p:spPr>
+          <a:xfrm>
+            <a:off x="2845049" y="2967335"/>
+            <a:ext cx="6501908" cy="1862048"/>
+          </a:xfrm>
+          <a:prstGeom prst="rect">
+            <a:avLst/>
+          </a:prstGeom>
+          <a:noFill/>
+        </p:spPr>
+        <p:txBody>
+          <a:bodyPr wrap="none" lIns="91440" tIns="45720" rIns="91440" bIns="45720">
+            <a:spAutoFit/>
+          </a:bodyPr>
+          <a:lstStyle/>
+          <a:p>
+            <a:pPr algn="ctr"/>
+            <a:r>
+              <a:rPr lang="en-US" sz="11500" b="1" cap="none" spc="0" dirty="0">
+                <a:ln w="22225">
+                  <a:solidFill>
+                    <a:schemeClr val="accent2"/>
+                  </a:solidFill>
+                  <a:prstDash val="solid"/>
+                </a:ln>
+                <a:solidFill>
+                  <a:schemeClr val="accent2">
+                    <a:lumMod val="40000"/>
+                    <a:lumOff val="60000"/>
+                  </a:schemeClr>
+                </a:solidFill>
+                <a:effectLst/>
+              </a:rPr>
+              <a:t>Thank You</a:t>
+            </a:r>
+          </a:p>
+        </p:txBody>
+      </p:sp>
+      <p:pic>
+        <p:nvPicPr>
+          <p:cNvPr id="11" name="Picture 10">
+            <a:extLst>
+              <a:ext uri="{FF2B5EF4-FFF2-40B4-BE49-F238E27FC236}">
+                <a16:creationId xmlns:a16="http://schemas.microsoft.com/office/drawing/2014/main" id="{51F49172-6FCD-4AB5-AAA3-6BFAF4CBA1CD}"/>
+              </a:ext>
+            </a:extLst>
+          </p:cNvPr>
+          <p:cNvPicPr>
+            <a:picLocks noChangeAspect="1"/>
+          </p:cNvPicPr>
+          <p:nvPr/>
+        </p:nvPicPr>
+        <p:blipFill>
+          <a:blip r:embed="rId2"/>
+          <a:stretch>
+            <a:fillRect/>
+          </a:stretch>
+        </p:blipFill>
+        <p:spPr>
+          <a:xfrm>
+            <a:off x="36576" y="0"/>
+            <a:ext cx="12118848" cy="6858000"/>
+          </a:xfrm>
+          <a:prstGeom prst="rect">
+            <a:avLst/>
+          </a:prstGeom>
+          <a:pattFill prst="pct10">
+            <a:fgClr>
+              <a:srgbClr val="00B0F0"/>
+            </a:fgClr>
+            <a:bgClr>
+              <a:schemeClr val="bg1"/>
+            </a:bgClr>
+          </a:pattFill>
+        </p:spPr>
+      </p:pic>
+      <p:sp>
+        <p:nvSpPr>
+          <p:cNvPr id="13" name="Rectangle 12">
+            <a:extLst>
+              <a:ext uri="{FF2B5EF4-FFF2-40B4-BE49-F238E27FC236}">
+                <a16:creationId xmlns:a16="http://schemas.microsoft.com/office/drawing/2014/main" id="{CFECC4F1-066E-455C-B475-78C821885BDF}"/>
+              </a:ext>
+            </a:extLst>
+          </p:cNvPr>
+          <p:cNvSpPr/>
+          <p:nvPr/>
+        </p:nvSpPr>
+        <p:spPr>
+          <a:xfrm>
+            <a:off x="3368236" y="2967335"/>
+            <a:ext cx="5455532" cy="1569660"/>
+          </a:xfrm>
+          <a:prstGeom prst="rect">
+            <a:avLst/>
+          </a:prstGeom>
+          <a:noFill/>
+        </p:spPr>
+        <p:txBody>
+          <a:bodyPr wrap="none" lIns="91440" tIns="45720" rIns="91440" bIns="45720">
+            <a:spAutoFit/>
+            <a:scene3d>
+              <a:camera prst="orthographicFront"/>
+              <a:lightRig rig="soft" dir="t">
+                <a:rot lat="0" lon="0" rev="15600000"/>
+              </a:lightRig>
+            </a:scene3d>
+            <a:sp3d extrusionH="57150" prstMaterial="softEdge">
+              <a:bevelT w="25400" h="38100"/>
+            </a:sp3d>
+          </a:bodyPr>
+          <a:lstStyle/>
+          <a:p>
+            <a:pPr algn="ctr"/>
+            <a:r>
+              <a:rPr lang="en-US" sz="9600" b="1" dirty="0">
+                <a:ln/>
+                <a:solidFill>
+                  <a:srgbClr val="FFC000"/>
+                </a:solidFill>
+              </a:rPr>
+              <a:t>Thank You</a:t>
+            </a:r>
+          </a:p>
+        </p:txBody>
+      </p:sp>
+    </p:spTree>
+    <p:extLst>
+      <p:ext uri="{BB962C8B-B14F-4D97-AF65-F5344CB8AC3E}">
+        <p14:creationId xmlns:p14="http://schemas.microsoft.com/office/powerpoint/2010/main" val="3088895984"/>
       </p:ext>
     </p:extLst>
   </p:cSld>
@@ -4525,6 +4819,36 @@
           </a:p>
         </p:txBody>
       </p:sp>
+      <p:pic>
+        <p:nvPicPr>
+          <p:cNvPr id="3" name="Picture 2">
+            <a:extLst>
+              <a:ext uri="{FF2B5EF4-FFF2-40B4-BE49-F238E27FC236}">
+                <a16:creationId xmlns:a16="http://schemas.microsoft.com/office/drawing/2014/main" id="{7694265F-6858-4182-99ED-75CCF84994C6}"/>
+              </a:ext>
+            </a:extLst>
+          </p:cNvPr>
+          <p:cNvPicPr>
+            <a:picLocks noChangeAspect="1"/>
+          </p:cNvPicPr>
+          <p:nvPr/>
+        </p:nvPicPr>
+        <p:blipFill>
+          <a:blip r:embed="rId2"/>
+          <a:stretch>
+            <a:fillRect/>
+          </a:stretch>
+        </p:blipFill>
+        <p:spPr>
+          <a:xfrm>
+            <a:off x="36576" y="0"/>
+            <a:ext cx="12118848" cy="6858000"/>
+          </a:xfrm>
+          <a:prstGeom prst="rect">
+            <a:avLst/>
+          </a:prstGeom>
+        </p:spPr>
+      </p:pic>
     </p:spTree>
     <p:extLst>
       <p:ext uri="{BB962C8B-B14F-4D97-AF65-F5344CB8AC3E}">
@@ -4915,6 +5239,36 @@
           </a:p>
         </p:txBody>
       </p:sp>
+      <p:pic>
+        <p:nvPicPr>
+          <p:cNvPr id="3" name="Picture 2">
+            <a:extLst>
+              <a:ext uri="{FF2B5EF4-FFF2-40B4-BE49-F238E27FC236}">
+                <a16:creationId xmlns:a16="http://schemas.microsoft.com/office/drawing/2014/main" id="{8A5C9BE1-FFFD-46D4-8835-E332B9A0BDF2}"/>
+              </a:ext>
+            </a:extLst>
+          </p:cNvPr>
+          <p:cNvPicPr>
+            <a:picLocks noChangeAspect="1"/>
+          </p:cNvPicPr>
+          <p:nvPr/>
+        </p:nvPicPr>
+        <p:blipFill>
+          <a:blip r:embed="rId2"/>
+          <a:stretch>
+            <a:fillRect/>
+          </a:stretch>
+        </p:blipFill>
+        <p:spPr>
+          <a:xfrm>
+            <a:off x="36576" y="0"/>
+            <a:ext cx="12118848" cy="6858000"/>
+          </a:xfrm>
+          <a:prstGeom prst="rect">
+            <a:avLst/>
+          </a:prstGeom>
+        </p:spPr>
+      </p:pic>
     </p:spTree>
     <p:extLst>
       <p:ext uri="{BB962C8B-B14F-4D97-AF65-F5344CB8AC3E}">
@@ -5218,6 +5572,36 @@
           </a:p>
         </p:txBody>
       </p:sp>
+      <p:pic>
+        <p:nvPicPr>
+          <p:cNvPr id="2" name="Picture 1">
+            <a:extLst>
+              <a:ext uri="{FF2B5EF4-FFF2-40B4-BE49-F238E27FC236}">
+                <a16:creationId xmlns:a16="http://schemas.microsoft.com/office/drawing/2014/main" id="{22B3C9A1-6D1E-48E0-AD0F-95309E544635}"/>
+              </a:ext>
+            </a:extLst>
+          </p:cNvPr>
+          <p:cNvPicPr>
+            <a:picLocks noChangeAspect="1"/>
+          </p:cNvPicPr>
+          <p:nvPr/>
+        </p:nvPicPr>
+        <p:blipFill>
+          <a:blip r:embed="rId3"/>
+          <a:stretch>
+            <a:fillRect/>
+          </a:stretch>
+        </p:blipFill>
+        <p:spPr>
+          <a:xfrm>
+            <a:off x="36576" y="0"/>
+            <a:ext cx="12118848" cy="6858000"/>
+          </a:xfrm>
+          <a:prstGeom prst="rect">
+            <a:avLst/>
+          </a:prstGeom>
+        </p:spPr>
+      </p:pic>
     </p:spTree>
     <p:extLst>
       <p:ext uri="{BB962C8B-B14F-4D97-AF65-F5344CB8AC3E}">
@@ -5489,6 +5873,36 @@
           <a:ln>
             <a:noFill/>
           </a:ln>
+        </p:spPr>
+      </p:pic>
+      <p:pic>
+        <p:nvPicPr>
+          <p:cNvPr id="3" name="Picture 2">
+            <a:extLst>
+              <a:ext uri="{FF2B5EF4-FFF2-40B4-BE49-F238E27FC236}">
+                <a16:creationId xmlns:a16="http://schemas.microsoft.com/office/drawing/2014/main" id="{1E934383-1683-446E-913E-1C3D81123AA4}"/>
+              </a:ext>
+            </a:extLst>
+          </p:cNvPr>
+          <p:cNvPicPr>
+            <a:picLocks noChangeAspect="1"/>
+          </p:cNvPicPr>
+          <p:nvPr/>
+        </p:nvPicPr>
+        <p:blipFill>
+          <a:blip r:embed="rId6"/>
+          <a:stretch>
+            <a:fillRect/>
+          </a:stretch>
+        </p:blipFill>
+        <p:spPr>
+          <a:xfrm>
+            <a:off x="36576" y="0"/>
+            <a:ext cx="12118848" cy="6858000"/>
+          </a:xfrm>
+          <a:prstGeom prst="rect">
+            <a:avLst/>
+          </a:prstGeom>
         </p:spPr>
       </p:pic>
     </p:spTree>
@@ -5897,6 +6311,36 @@
           </a:p>
         </p:txBody>
       </p:sp>
+      <p:pic>
+        <p:nvPicPr>
+          <p:cNvPr id="3" name="Picture 2">
+            <a:extLst>
+              <a:ext uri="{FF2B5EF4-FFF2-40B4-BE49-F238E27FC236}">
+                <a16:creationId xmlns:a16="http://schemas.microsoft.com/office/drawing/2014/main" id="{DE6CD71C-5FD1-4963-96A4-6A864C36D525}"/>
+              </a:ext>
+            </a:extLst>
+          </p:cNvPr>
+          <p:cNvPicPr>
+            <a:picLocks noChangeAspect="1"/>
+          </p:cNvPicPr>
+          <p:nvPr/>
+        </p:nvPicPr>
+        <p:blipFill>
+          <a:blip r:embed="rId2"/>
+          <a:stretch>
+            <a:fillRect/>
+          </a:stretch>
+        </p:blipFill>
+        <p:spPr>
+          <a:xfrm>
+            <a:off x="36576" y="0"/>
+            <a:ext cx="12118848" cy="6858000"/>
+          </a:xfrm>
+          <a:prstGeom prst="rect">
+            <a:avLst/>
+          </a:prstGeom>
+        </p:spPr>
+      </p:pic>
     </p:spTree>
     <p:extLst>
       <p:ext uri="{BB962C8B-B14F-4D97-AF65-F5344CB8AC3E}">
@@ -6370,6 +6814,36 @@
           </a:p>
         </p:txBody>
       </p:sp>
+      <p:pic>
+        <p:nvPicPr>
+          <p:cNvPr id="2" name="Picture 1">
+            <a:extLst>
+              <a:ext uri="{FF2B5EF4-FFF2-40B4-BE49-F238E27FC236}">
+                <a16:creationId xmlns:a16="http://schemas.microsoft.com/office/drawing/2014/main" id="{2D8F4568-4D1D-4CC0-8586-C728F7A5929B}"/>
+              </a:ext>
+            </a:extLst>
+          </p:cNvPr>
+          <p:cNvPicPr>
+            <a:picLocks noChangeAspect="1"/>
+          </p:cNvPicPr>
+          <p:nvPr/>
+        </p:nvPicPr>
+        <p:blipFill>
+          <a:blip r:embed="rId2"/>
+          <a:stretch>
+            <a:fillRect/>
+          </a:stretch>
+        </p:blipFill>
+        <p:spPr>
+          <a:xfrm>
+            <a:off x="36576" y="0"/>
+            <a:ext cx="12118848" cy="6858000"/>
+          </a:xfrm>
+          <a:prstGeom prst="rect">
+            <a:avLst/>
+          </a:prstGeom>
+        </p:spPr>
+      </p:pic>
     </p:spTree>
     <p:extLst>
       <p:ext uri="{BB962C8B-B14F-4D97-AF65-F5344CB8AC3E}">
@@ -6981,6 +7455,36 @@
           </a:p>
         </p:txBody>
       </p:sp>
+      <p:pic>
+        <p:nvPicPr>
+          <p:cNvPr id="5" name="Picture 4">
+            <a:extLst>
+              <a:ext uri="{FF2B5EF4-FFF2-40B4-BE49-F238E27FC236}">
+                <a16:creationId xmlns:a16="http://schemas.microsoft.com/office/drawing/2014/main" id="{0EB40E80-CA23-4704-A083-AC3CD82D9C0C}"/>
+              </a:ext>
+            </a:extLst>
+          </p:cNvPr>
+          <p:cNvPicPr>
+            <a:picLocks noChangeAspect="1"/>
+          </p:cNvPicPr>
+          <p:nvPr/>
+        </p:nvPicPr>
+        <p:blipFill>
+          <a:blip r:embed="rId2"/>
+          <a:stretch>
+            <a:fillRect/>
+          </a:stretch>
+        </p:blipFill>
+        <p:spPr>
+          <a:xfrm>
+            <a:off x="36576" y="0"/>
+            <a:ext cx="12118848" cy="6858000"/>
+          </a:xfrm>
+          <a:prstGeom prst="rect">
+            <a:avLst/>
+          </a:prstGeom>
+        </p:spPr>
+      </p:pic>
     </p:spTree>
     <p:extLst>
       <p:ext uri="{BB962C8B-B14F-4D97-AF65-F5344CB8AC3E}">
@@ -7329,6 +7833,36 @@
           <a:xfrm>
             <a:off x="3334130" y="3750853"/>
             <a:ext cx="7030530" cy="2842627"/>
+          </a:xfrm>
+          <a:prstGeom prst="rect">
+            <a:avLst/>
+          </a:prstGeom>
+        </p:spPr>
+      </p:pic>
+      <p:pic>
+        <p:nvPicPr>
+          <p:cNvPr id="2" name="Picture 1">
+            <a:extLst>
+              <a:ext uri="{FF2B5EF4-FFF2-40B4-BE49-F238E27FC236}">
+                <a16:creationId xmlns:a16="http://schemas.microsoft.com/office/drawing/2014/main" id="{41B53330-F250-48B1-A65F-44BA20825B06}"/>
+              </a:ext>
+            </a:extLst>
+          </p:cNvPr>
+          <p:cNvPicPr>
+            <a:picLocks noChangeAspect="1"/>
+          </p:cNvPicPr>
+          <p:nvPr/>
+        </p:nvPicPr>
+        <p:blipFill>
+          <a:blip r:embed="rId3"/>
+          <a:stretch>
+            <a:fillRect/>
+          </a:stretch>
+        </p:blipFill>
+        <p:spPr>
+          <a:xfrm>
+            <a:off x="36576" y="0"/>
+            <a:ext cx="12118848" cy="6858000"/>
           </a:xfrm>
           <a:prstGeom prst="rect">
             <a:avLst/>
